--- a/Research.pptx
+++ b/Research.pptx
@@ -107,6 +107,11 @@
       </a:defRPr>
     </a:lvl9pPr>
   </p:defaultTextStyle>
+  <p:extLst>
+    <p:ext uri="{EFAFB233-063F-42B5-8137-9DF3F51BA10A}">
+      <p15:sldGuideLst xmlns:p15="http://schemas.microsoft.com/office/powerpoint/2012/main"/>
+    </p:ext>
+  </p:extLst>
 </p:presentation>
 </file>
 
@@ -259,7 +264,7 @@
           <a:p>
             <a:fld id="{5D4B294F-2D7C-49E5-935F-6917D870033D}" type="datetimeFigureOut">
               <a:rPr lang="en-GB" smtClean="0"/>
-              <a:t>13/10/2023</a:t>
+              <a:t>20/10/2023</a:t>
             </a:fld>
             <a:endParaRPr lang="en-GB"/>
           </a:p>
@@ -459,7 +464,7 @@
           <a:p>
             <a:fld id="{5D4B294F-2D7C-49E5-935F-6917D870033D}" type="datetimeFigureOut">
               <a:rPr lang="en-GB" smtClean="0"/>
-              <a:t>13/10/2023</a:t>
+              <a:t>20/10/2023</a:t>
             </a:fld>
             <a:endParaRPr lang="en-GB"/>
           </a:p>
@@ -669,7 +674,7 @@
           <a:p>
             <a:fld id="{5D4B294F-2D7C-49E5-935F-6917D870033D}" type="datetimeFigureOut">
               <a:rPr lang="en-GB" smtClean="0"/>
-              <a:t>13/10/2023</a:t>
+              <a:t>20/10/2023</a:t>
             </a:fld>
             <a:endParaRPr lang="en-GB"/>
           </a:p>
@@ -869,7 +874,7 @@
           <a:p>
             <a:fld id="{5D4B294F-2D7C-49E5-935F-6917D870033D}" type="datetimeFigureOut">
               <a:rPr lang="en-GB" smtClean="0"/>
-              <a:t>13/10/2023</a:t>
+              <a:t>20/10/2023</a:t>
             </a:fld>
             <a:endParaRPr lang="en-GB"/>
           </a:p>
@@ -1145,7 +1150,7 @@
           <a:p>
             <a:fld id="{5D4B294F-2D7C-49E5-935F-6917D870033D}" type="datetimeFigureOut">
               <a:rPr lang="en-GB" smtClean="0"/>
-              <a:t>13/10/2023</a:t>
+              <a:t>20/10/2023</a:t>
             </a:fld>
             <a:endParaRPr lang="en-GB"/>
           </a:p>
@@ -1413,7 +1418,7 @@
           <a:p>
             <a:fld id="{5D4B294F-2D7C-49E5-935F-6917D870033D}" type="datetimeFigureOut">
               <a:rPr lang="en-GB" smtClean="0"/>
-              <a:t>13/10/2023</a:t>
+              <a:t>20/10/2023</a:t>
             </a:fld>
             <a:endParaRPr lang="en-GB"/>
           </a:p>
@@ -1828,7 +1833,7 @@
           <a:p>
             <a:fld id="{5D4B294F-2D7C-49E5-935F-6917D870033D}" type="datetimeFigureOut">
               <a:rPr lang="en-GB" smtClean="0"/>
-              <a:t>13/10/2023</a:t>
+              <a:t>20/10/2023</a:t>
             </a:fld>
             <a:endParaRPr lang="en-GB"/>
           </a:p>
@@ -1970,7 +1975,7 @@
           <a:p>
             <a:fld id="{5D4B294F-2D7C-49E5-935F-6917D870033D}" type="datetimeFigureOut">
               <a:rPr lang="en-GB" smtClean="0"/>
-              <a:t>13/10/2023</a:t>
+              <a:t>20/10/2023</a:t>
             </a:fld>
             <a:endParaRPr lang="en-GB"/>
           </a:p>
@@ -2083,7 +2088,7 @@
           <a:p>
             <a:fld id="{5D4B294F-2D7C-49E5-935F-6917D870033D}" type="datetimeFigureOut">
               <a:rPr lang="en-GB" smtClean="0"/>
-              <a:t>13/10/2023</a:t>
+              <a:t>20/10/2023</a:t>
             </a:fld>
             <a:endParaRPr lang="en-GB"/>
           </a:p>
@@ -2396,7 +2401,7 @@
           <a:p>
             <a:fld id="{5D4B294F-2D7C-49E5-935F-6917D870033D}" type="datetimeFigureOut">
               <a:rPr lang="en-GB" smtClean="0"/>
-              <a:t>13/10/2023</a:t>
+              <a:t>20/10/2023</a:t>
             </a:fld>
             <a:endParaRPr lang="en-GB"/>
           </a:p>
@@ -2685,7 +2690,7 @@
           <a:p>
             <a:fld id="{5D4B294F-2D7C-49E5-935F-6917D870033D}" type="datetimeFigureOut">
               <a:rPr lang="en-GB" smtClean="0"/>
-              <a:t>13/10/2023</a:t>
+              <a:t>20/10/2023</a:t>
             </a:fld>
             <a:endParaRPr lang="en-GB"/>
           </a:p>
@@ -2928,7 +2933,7 @@
           <a:p>
             <a:fld id="{5D4B294F-2D7C-49E5-935F-6917D870033D}" type="datetimeFigureOut">
               <a:rPr lang="en-GB" smtClean="0"/>
-              <a:t>13/10/2023</a:t>
+              <a:t>20/10/2023</a:t>
             </a:fld>
             <a:endParaRPr lang="en-GB"/>
           </a:p>
@@ -3447,7 +3452,7 @@
         </p:nvSpPr>
         <p:spPr>
           <a:xfrm>
-            <a:off x="838200" y="365125"/>
+            <a:off x="838200" y="377305"/>
             <a:ext cx="10515600" cy="1325563"/>
           </a:xfrm>
         </p:spPr>
@@ -3492,8 +3497,8 @@
         </p:blipFill>
         <p:spPr bwMode="auto">
           <a:xfrm>
-            <a:off x="184050" y="1690688"/>
-            <a:ext cx="4002704" cy="2537670"/>
+            <a:off x="49186" y="2057178"/>
+            <a:ext cx="4150532" cy="2631391"/>
           </a:xfrm>
           <a:prstGeom prst="rect">
             <a:avLst/>
@@ -3510,6 +3515,183 @@
           </a:extLst>
         </p:spPr>
       </p:pic>
+      <p:pic>
+        <p:nvPicPr>
+          <p:cNvPr id="3074" name="Picture 2" descr="Stylized Mangrove Greenhouse - Download Free 3D model by Bársh (@borsh_and)  [4ad533f]">
+            <a:extLst>
+              <a:ext uri="{FF2B5EF4-FFF2-40B4-BE49-F238E27FC236}">
+                <a16:creationId xmlns:a16="http://schemas.microsoft.com/office/drawing/2014/main" id="{56ED72F6-AEBC-46DD-8052-60F97893F448}"/>
+              </a:ext>
+            </a:extLst>
+          </p:cNvPr>
+          <p:cNvPicPr>
+            <a:picLocks noChangeAspect="1" noChangeArrowheads="1"/>
+          </p:cNvPicPr>
+          <p:nvPr/>
+        </p:nvPicPr>
+        <p:blipFill>
+          <a:blip r:embed="rId3">
+            <a:extLst>
+              <a:ext uri="{28A0092B-C50C-407E-A947-70E740481C1C}">
+                <a14:useLocalDpi xmlns:a14="http://schemas.microsoft.com/office/drawing/2010/main" val="0"/>
+              </a:ext>
+            </a:extLst>
+          </a:blip>
+          <a:srcRect/>
+          <a:stretch>
+            <a:fillRect/>
+          </a:stretch>
+        </p:blipFill>
+        <p:spPr bwMode="auto">
+          <a:xfrm>
+            <a:off x="4550105" y="272985"/>
+            <a:ext cx="4026463" cy="2264886"/>
+          </a:xfrm>
+          <a:prstGeom prst="rect">
+            <a:avLst/>
+          </a:prstGeom>
+          <a:noFill/>
+          <a:extLst>
+            <a:ext uri="{909E8E84-426E-40DD-AFC4-6F175D3DCCD1}">
+              <a14:hiddenFill xmlns:a14="http://schemas.microsoft.com/office/drawing/2010/main">
+                <a:solidFill>
+                  <a:srgbClr val="FFFFFF"/>
+                </a:solidFill>
+              </a14:hiddenFill>
+            </a:ext>
+          </a:extLst>
+        </p:spPr>
+      </p:pic>
+      <p:pic>
+        <p:nvPicPr>
+          <p:cNvPr id="3076" name="Picture 4" descr="3D Model Greenhouse – Toffu Co">
+            <a:extLst>
+              <a:ext uri="{FF2B5EF4-FFF2-40B4-BE49-F238E27FC236}">
+                <a16:creationId xmlns:a16="http://schemas.microsoft.com/office/drawing/2014/main" id="{8989647A-33B6-4824-AD16-184BAFC3419F}"/>
+              </a:ext>
+            </a:extLst>
+          </p:cNvPr>
+          <p:cNvPicPr>
+            <a:picLocks noChangeAspect="1" noChangeArrowheads="1"/>
+          </p:cNvPicPr>
+          <p:nvPr/>
+        </p:nvPicPr>
+        <p:blipFill>
+          <a:blip r:embed="rId4">
+            <a:extLst>
+              <a:ext uri="{28A0092B-C50C-407E-A947-70E740481C1C}">
+                <a14:useLocalDpi xmlns:a14="http://schemas.microsoft.com/office/drawing/2010/main" val="0"/>
+              </a:ext>
+            </a:extLst>
+          </a:blip>
+          <a:srcRect/>
+          <a:stretch>
+            <a:fillRect/>
+          </a:stretch>
+        </p:blipFill>
+        <p:spPr bwMode="auto">
+          <a:xfrm>
+            <a:off x="8778750" y="318083"/>
+            <a:ext cx="2995569" cy="2995569"/>
+          </a:xfrm>
+          <a:prstGeom prst="rect">
+            <a:avLst/>
+          </a:prstGeom>
+          <a:noFill/>
+          <a:extLst>
+            <a:ext uri="{909E8E84-426E-40DD-AFC4-6F175D3DCCD1}">
+              <a14:hiddenFill xmlns:a14="http://schemas.microsoft.com/office/drawing/2010/main">
+                <a:solidFill>
+                  <a:srgbClr val="FFFFFF"/>
+                </a:solidFill>
+              </a14:hiddenFill>
+            </a:ext>
+          </a:extLst>
+        </p:spPr>
+      </p:pic>
+      <p:pic>
+        <p:nvPicPr>
+          <p:cNvPr id="3078" name="Picture 6" descr="earthship greenhouse designs | production green house near Calgary, Canada  in collaboration w/ Madeen ... | Earthship home, Earth sheltered homes,  Earth sheltered">
+            <a:extLst>
+              <a:ext uri="{FF2B5EF4-FFF2-40B4-BE49-F238E27FC236}">
+                <a16:creationId xmlns:a16="http://schemas.microsoft.com/office/drawing/2014/main" id="{1602A774-ADC3-41B8-87BA-EDA787C607B6}"/>
+              </a:ext>
+            </a:extLst>
+          </p:cNvPr>
+          <p:cNvPicPr>
+            <a:picLocks noChangeAspect="1" noChangeArrowheads="1"/>
+          </p:cNvPicPr>
+          <p:nvPr/>
+        </p:nvPicPr>
+        <p:blipFill>
+          <a:blip r:embed="rId5">
+            <a:extLst>
+              <a:ext uri="{28A0092B-C50C-407E-A947-70E740481C1C}">
+                <a14:useLocalDpi xmlns:a14="http://schemas.microsoft.com/office/drawing/2010/main" val="0"/>
+              </a:ext>
+            </a:extLst>
+          </a:blip>
+          <a:srcRect/>
+          <a:stretch>
+            <a:fillRect/>
+          </a:stretch>
+        </p:blipFill>
+        <p:spPr bwMode="auto">
+          <a:xfrm>
+            <a:off x="8778750" y="3372874"/>
+            <a:ext cx="3310485" cy="1956604"/>
+          </a:xfrm>
+          <a:prstGeom prst="rect">
+            <a:avLst/>
+          </a:prstGeom>
+          <a:noFill/>
+          <a:extLst>
+            <a:ext uri="{909E8E84-426E-40DD-AFC4-6F175D3DCCD1}">
+              <a14:hiddenFill xmlns:a14="http://schemas.microsoft.com/office/drawing/2010/main">
+                <a:solidFill>
+                  <a:srgbClr val="FFFFFF"/>
+                </a:solidFill>
+              </a14:hiddenFill>
+            </a:ext>
+          </a:extLst>
+        </p:spPr>
+      </p:pic>
+      <p:sp>
+        <p:nvSpPr>
+          <p:cNvPr id="3" name="TextBox 2">
+            <a:extLst>
+              <a:ext uri="{FF2B5EF4-FFF2-40B4-BE49-F238E27FC236}">
+                <a16:creationId xmlns:a16="http://schemas.microsoft.com/office/drawing/2014/main" id="{D783E2C4-5A5B-4043-AB6B-C92FCE18E855}"/>
+              </a:ext>
+            </a:extLst>
+          </p:cNvPr>
+          <p:cNvSpPr txBox="1"/>
+          <p:nvPr/>
+        </p:nvSpPr>
+        <p:spPr>
+          <a:xfrm>
+            <a:off x="49186" y="5329478"/>
+            <a:ext cx="11552788" cy="923330"/>
+          </a:xfrm>
+          <a:prstGeom prst="rect">
+            <a:avLst/>
+          </a:prstGeom>
+          <a:noFill/>
+        </p:spPr>
+        <p:txBody>
+          <a:bodyPr wrap="square" rtlCol="0">
+            <a:spAutoFit/>
+          </a:bodyPr>
+          <a:lstStyle/>
+          <a:p>
+            <a:r>
+              <a:rPr lang="en-US" dirty="0"/>
+              <a:t>These are models of greenhouses, I will be taking inspiration from these in how I create the environment for my game, most of them use rectangular windows to form the shape they are looking for I will use rectangular windows too to build up the shape and for the interior there are a lot of mutated plants and greenery around</a:t>
+            </a:r>
+            <a:endParaRPr lang="en-GB" dirty="0"/>
+          </a:p>
+        </p:txBody>
+      </p:sp>
     </p:spTree>
     <p:extLst>
       <p:ext uri="{BB962C8B-B14F-4D97-AF65-F5344CB8AC3E}">
@@ -3563,15 +3745,7 @@
           <a:p>
             <a:r>
               <a:rPr lang="en-US" dirty="0"/>
-              <a:t>Plants (</a:t>
-            </a:r>
-            <a:r>
-              <a:rPr lang="en-US" dirty="0" err="1"/>
-              <a:t>venus</a:t>
-            </a:r>
-            <a:r>
-              <a:rPr lang="en-US" dirty="0"/>
-              <a:t> fly trap)</a:t>
+              <a:t>Plants</a:t>
             </a:r>
             <a:endParaRPr lang="en-GB" dirty="0"/>
           </a:p>
@@ -3702,6 +3876,97 @@
           <a:xfrm>
             <a:off x="4480943" y="1534450"/>
             <a:ext cx="3035760" cy="2277611"/>
+          </a:xfrm>
+          <a:prstGeom prst="rect">
+            <a:avLst/>
+          </a:prstGeom>
+          <a:noFill/>
+          <a:extLst>
+            <a:ext uri="{909E8E84-426E-40DD-AFC4-6F175D3DCCD1}">
+              <a14:hiddenFill xmlns:a14="http://schemas.microsoft.com/office/drawing/2010/main">
+                <a:solidFill>
+                  <a:srgbClr val="FFFFFF"/>
+                </a:solidFill>
+              </a14:hiddenFill>
+            </a:ext>
+          </a:extLst>
+        </p:spPr>
+      </p:pic>
+      <p:sp>
+        <p:nvSpPr>
+          <p:cNvPr id="3" name="TextBox 2">
+            <a:extLst>
+              <a:ext uri="{FF2B5EF4-FFF2-40B4-BE49-F238E27FC236}">
+                <a16:creationId xmlns:a16="http://schemas.microsoft.com/office/drawing/2014/main" id="{7930B8BE-3762-45C0-AAAB-CEDDB9A54164}"/>
+              </a:ext>
+            </a:extLst>
+          </p:cNvPr>
+          <p:cNvSpPr txBox="1"/>
+          <p:nvPr/>
+        </p:nvSpPr>
+        <p:spPr>
+          <a:xfrm>
+            <a:off x="386509" y="5476012"/>
+            <a:ext cx="11224627" cy="923330"/>
+          </a:xfrm>
+          <a:prstGeom prst="rect">
+            <a:avLst/>
+          </a:prstGeom>
+          <a:noFill/>
+        </p:spPr>
+        <p:txBody>
+          <a:bodyPr wrap="square" rtlCol="0">
+            <a:spAutoFit/>
+          </a:bodyPr>
+          <a:lstStyle/>
+          <a:p>
+            <a:r>
+              <a:rPr lang="en-US" dirty="0"/>
+              <a:t>In these designs they all follow a similar style for a </a:t>
+            </a:r>
+            <a:r>
+              <a:rPr lang="en-US" dirty="0" err="1"/>
+              <a:t>generailsed</a:t>
+            </a:r>
+            <a:r>
+              <a:rPr lang="en-US" dirty="0"/>
+              <a:t> living plant design. I like the style of a plant with sharp teeth. I will be using a similar cartoony art style my designs will feature traditional animal features such as eyes and noses</a:t>
+            </a:r>
+            <a:endParaRPr lang="en-GB" dirty="0"/>
+          </a:p>
+        </p:txBody>
+      </p:sp>
+      <p:pic>
+        <p:nvPicPr>
+          <p:cNvPr id="2050" name="Picture 2" descr="Sunflower (Plants vs. Zombies) - Download Free 3D model by KillerBear  [a5a7d59] - Sketchfab">
+            <a:extLst>
+              <a:ext uri="{FF2B5EF4-FFF2-40B4-BE49-F238E27FC236}">
+                <a16:creationId xmlns:a16="http://schemas.microsoft.com/office/drawing/2014/main" id="{5F0C6BF3-AF22-4065-9061-F82D0E33AB1A}"/>
+              </a:ext>
+            </a:extLst>
+          </p:cNvPr>
+          <p:cNvPicPr>
+            <a:picLocks noChangeAspect="1" noChangeArrowheads="1"/>
+          </p:cNvPicPr>
+          <p:nvPr/>
+        </p:nvPicPr>
+        <p:blipFill>
+          <a:blip r:embed="rId5">
+            <a:extLst>
+              <a:ext uri="{28A0092B-C50C-407E-A947-70E740481C1C}">
+                <a14:useLocalDpi xmlns:a14="http://schemas.microsoft.com/office/drawing/2010/main" val="0"/>
+              </a:ext>
+            </a:extLst>
+          </a:blip>
+          <a:srcRect/>
+          <a:stretch>
+            <a:fillRect/>
+          </a:stretch>
+        </p:blipFill>
+        <p:spPr bwMode="auto">
+          <a:xfrm>
+            <a:off x="8106564" y="1690688"/>
+            <a:ext cx="3916293" cy="2202915"/>
           </a:xfrm>
           <a:prstGeom prst="rect">
             <a:avLst/>
@@ -3771,7 +4036,7 @@
           <a:p>
             <a:r>
               <a:rPr lang="en-US" dirty="0"/>
-              <a:t>Plants (sunflower)</a:t>
+              <a:t>Gnomes</a:t>
             </a:r>
             <a:endParaRPr lang="en-GB" dirty="0"/>
           </a:p>
@@ -3793,15 +4058,217 @@
             <p:ph idx="1"/>
           </p:nvPr>
         </p:nvSpPr>
-        <p:spPr/>
-        <p:txBody>
-          <a:bodyPr/>
-          <a:lstStyle/>
-          <a:p>
-            <a:endParaRPr lang="en-GB"/>
-          </a:p>
-        </p:txBody>
-      </p:sp>
+        <p:spPr>
+          <a:xfrm>
+            <a:off x="838200" y="5400941"/>
+            <a:ext cx="10515600" cy="776021"/>
+          </a:xfrm>
+        </p:spPr>
+        <p:txBody>
+          <a:bodyPr>
+            <a:normAutofit fontScale="70000" lnSpcReduction="20000"/>
+          </a:bodyPr>
+          <a:lstStyle/>
+          <a:p>
+            <a:pPr marL="0" indent="0">
+              <a:buNone/>
+            </a:pPr>
+            <a:r>
+              <a:rPr lang="en-US" dirty="0"/>
+              <a:t>This is a bunch of gnomes that I am taking inspiration from, it is important for me to include the pointy red hat as all of the gnomes in this style have them. As well as this most of them have belts so I will include this too </a:t>
+            </a:r>
+            <a:endParaRPr lang="en-GB" dirty="0"/>
+          </a:p>
+        </p:txBody>
+      </p:sp>
+      <p:pic>
+        <p:nvPicPr>
+          <p:cNvPr id="1026" name="Picture 2" descr="Gnome Chompski | Left 4 Dead Wiki | Fandom">
+            <a:extLst>
+              <a:ext uri="{FF2B5EF4-FFF2-40B4-BE49-F238E27FC236}">
+                <a16:creationId xmlns:a16="http://schemas.microsoft.com/office/drawing/2014/main" id="{E1D9B2EA-5E9A-47E8-8398-E6B923FD0989}"/>
+              </a:ext>
+            </a:extLst>
+          </p:cNvPr>
+          <p:cNvPicPr>
+            <a:picLocks noChangeAspect="1" noChangeArrowheads="1"/>
+          </p:cNvPicPr>
+          <p:nvPr/>
+        </p:nvPicPr>
+        <p:blipFill>
+          <a:blip r:embed="rId2">
+            <a:extLst>
+              <a:ext uri="{28A0092B-C50C-407E-A947-70E740481C1C}">
+                <a14:useLocalDpi xmlns:a14="http://schemas.microsoft.com/office/drawing/2010/main" val="0"/>
+              </a:ext>
+            </a:extLst>
+          </a:blip>
+          <a:srcRect/>
+          <a:stretch>
+            <a:fillRect/>
+          </a:stretch>
+        </p:blipFill>
+        <p:spPr bwMode="auto">
+          <a:xfrm>
+            <a:off x="515596" y="1441035"/>
+            <a:ext cx="1828800" cy="3429000"/>
+          </a:xfrm>
+          <a:prstGeom prst="rect">
+            <a:avLst/>
+          </a:prstGeom>
+          <a:noFill/>
+          <a:extLst>
+            <a:ext uri="{909E8E84-426E-40DD-AFC4-6F175D3DCCD1}">
+              <a14:hiddenFill xmlns:a14="http://schemas.microsoft.com/office/drawing/2010/main">
+                <a:solidFill>
+                  <a:srgbClr val="FFFFFF"/>
+                </a:solidFill>
+              </a14:hiddenFill>
+            </a:ext>
+          </a:extLst>
+        </p:spPr>
+      </p:pic>
+      <p:pic>
+        <p:nvPicPr>
+          <p:cNvPr id="1028" name="Picture 4" descr="3D garden gnome model https://p.turbosquid.com/ts-thumb/YY/Ysyd7a/24LmPxBw/garden_gnome_d_001_.rgb_color.00102/jpg/1510588312/1920x1080/fit_q87/b808b1c351addec2aaae60daa85131463e76fce0/garden_gnome_d_001_.rgb_color.00102.jpg">
+            <a:extLst>
+              <a:ext uri="{FF2B5EF4-FFF2-40B4-BE49-F238E27FC236}">
+                <a16:creationId xmlns:a16="http://schemas.microsoft.com/office/drawing/2014/main" id="{B0DDFAC9-1C74-4F2B-A73D-8FDFB84E0AF3}"/>
+              </a:ext>
+            </a:extLst>
+          </p:cNvPr>
+          <p:cNvPicPr>
+            <a:picLocks noChangeAspect="1" noChangeArrowheads="1"/>
+          </p:cNvPicPr>
+          <p:nvPr/>
+        </p:nvPicPr>
+        <p:blipFill>
+          <a:blip r:embed="rId3">
+            <a:extLst>
+              <a:ext uri="{28A0092B-C50C-407E-A947-70E740481C1C}">
+                <a14:useLocalDpi xmlns:a14="http://schemas.microsoft.com/office/drawing/2010/main" val="0"/>
+              </a:ext>
+            </a:extLst>
+          </a:blip>
+          <a:srcRect/>
+          <a:stretch>
+            <a:fillRect/>
+          </a:stretch>
+        </p:blipFill>
+        <p:spPr bwMode="auto">
+          <a:xfrm>
+            <a:off x="2667000" y="1690688"/>
+            <a:ext cx="3251675" cy="3251675"/>
+          </a:xfrm>
+          <a:prstGeom prst="rect">
+            <a:avLst/>
+          </a:prstGeom>
+          <a:noFill/>
+          <a:extLst>
+            <a:ext uri="{909E8E84-426E-40DD-AFC4-6F175D3DCCD1}">
+              <a14:hiddenFill xmlns:a14="http://schemas.microsoft.com/office/drawing/2010/main">
+                <a:solidFill>
+                  <a:srgbClr val="FFFFFF"/>
+                </a:solidFill>
+              </a14:hiddenFill>
+            </a:ext>
+          </a:extLst>
+        </p:spPr>
+      </p:pic>
+      <p:pic>
+        <p:nvPicPr>
+          <p:cNvPr id="1032" name="Picture 8" descr="Garden Gnome With Open Hand 3D https://p.turbosquid.com/ts-thumb/Fq/xJ9Ww6/8C/gnome5/png/1665702716/1920x1080/fit_q87/74a7fb79e5e543158899dd3633879b50a249948f/gnome5.jpg">
+            <a:extLst>
+              <a:ext uri="{FF2B5EF4-FFF2-40B4-BE49-F238E27FC236}">
+                <a16:creationId xmlns:a16="http://schemas.microsoft.com/office/drawing/2014/main" id="{E26178A8-B27F-418D-A92C-6E6D548A5082}"/>
+              </a:ext>
+            </a:extLst>
+          </p:cNvPr>
+          <p:cNvPicPr>
+            <a:picLocks noChangeAspect="1" noChangeArrowheads="1"/>
+          </p:cNvPicPr>
+          <p:nvPr/>
+        </p:nvPicPr>
+        <p:blipFill>
+          <a:blip r:embed="rId4">
+            <a:extLst>
+              <a:ext uri="{28A0092B-C50C-407E-A947-70E740481C1C}">
+                <a14:useLocalDpi xmlns:a14="http://schemas.microsoft.com/office/drawing/2010/main" val="0"/>
+              </a:ext>
+            </a:extLst>
+          </a:blip>
+          <a:srcRect/>
+          <a:stretch>
+            <a:fillRect/>
+          </a:stretch>
+        </p:blipFill>
+        <p:spPr bwMode="auto">
+          <a:xfrm>
+            <a:off x="5918675" y="1690688"/>
+            <a:ext cx="2928457" cy="2928457"/>
+          </a:xfrm>
+          <a:prstGeom prst="rect">
+            <a:avLst/>
+          </a:prstGeom>
+          <a:noFill/>
+          <a:extLst>
+            <a:ext uri="{909E8E84-426E-40DD-AFC4-6F175D3DCCD1}">
+              <a14:hiddenFill xmlns:a14="http://schemas.microsoft.com/office/drawing/2010/main">
+                <a:solidFill>
+                  <a:srgbClr val="FFFFFF"/>
+                </a:solidFill>
+              </a14:hiddenFill>
+            </a:ext>
+          </a:extLst>
+        </p:spPr>
+      </p:pic>
+      <p:pic>
+        <p:nvPicPr>
+          <p:cNvPr id="1034" name="Picture 10" descr="3D Garden Gnome https://p.turbosquid.com/ts-thumb/ui/jeq5ky/qE/searchimage/png/1658448008/1920x1080/fit_q87/3b3ab57b39c9e37a261efc54260adc2bfce4d1b6/searchimage.jpg">
+            <a:extLst>
+              <a:ext uri="{FF2B5EF4-FFF2-40B4-BE49-F238E27FC236}">
+                <a16:creationId xmlns:a16="http://schemas.microsoft.com/office/drawing/2014/main" id="{4948E8F3-D18C-4162-86EC-97F89848278A}"/>
+              </a:ext>
+            </a:extLst>
+          </p:cNvPr>
+          <p:cNvPicPr>
+            <a:picLocks noChangeAspect="1" noChangeArrowheads="1"/>
+          </p:cNvPicPr>
+          <p:nvPr/>
+        </p:nvPicPr>
+        <p:blipFill>
+          <a:blip r:embed="rId5">
+            <a:extLst>
+              <a:ext uri="{28A0092B-C50C-407E-A947-70E740481C1C}">
+                <a14:useLocalDpi xmlns:a14="http://schemas.microsoft.com/office/drawing/2010/main" val="0"/>
+              </a:ext>
+            </a:extLst>
+          </a:blip>
+          <a:srcRect/>
+          <a:stretch>
+            <a:fillRect/>
+          </a:stretch>
+        </p:blipFill>
+        <p:spPr bwMode="auto">
+          <a:xfrm>
+            <a:off x="8433154" y="1827830"/>
+            <a:ext cx="2791315" cy="2791315"/>
+          </a:xfrm>
+          <a:prstGeom prst="rect">
+            <a:avLst/>
+          </a:prstGeom>
+          <a:noFill/>
+          <a:extLst>
+            <a:ext uri="{909E8E84-426E-40DD-AFC4-6F175D3DCCD1}">
+              <a14:hiddenFill xmlns:a14="http://schemas.microsoft.com/office/drawing/2010/main">
+                <a:solidFill>
+                  <a:srgbClr val="FFFFFF"/>
+                </a:solidFill>
+              </a14:hiddenFill>
+            </a:ext>
+          </a:extLst>
+        </p:spPr>
+      </p:pic>
     </p:spTree>
     <p:extLst>
       <p:ext uri="{BB962C8B-B14F-4D97-AF65-F5344CB8AC3E}">
